--- a/notes/notes/ds-algo/ch7-avl-tree.pptx
+++ b/notes/notes/ds-algo/ch7-avl-tree.pptx
@@ -216,7 +216,7 @@
           <a:p>
             <a:fld id="{9BFDADED-620D-D24E-82E2-96F000A12D1D}" type="datetimeFigureOut">
               <a:rPr lang="en-CN" smtClean="0"/>
-              <a:t>2024/1/24</a:t>
+              <a:t>2024/1/26</a:t>
             </a:fld>
             <a:endParaRPr lang="en-CN"/>
           </a:p>
@@ -1055,6 +1055,53 @@
           </a:p>
         </p:txBody>
       </p:sp>
+      <p:pic>
+        <p:nvPicPr>
+          <p:cNvPr id="9" name="Picture 2">
+            <a:extLst>
+              <a:ext uri="{FF2B5EF4-FFF2-40B4-BE49-F238E27FC236}">
+                <a16:creationId xmlns:a16="http://schemas.microsoft.com/office/drawing/2014/main" id="{931F6F8D-0C71-8584-8C86-A6926E6B8260}"/>
+              </a:ext>
+            </a:extLst>
+          </p:cNvPr>
+          <p:cNvPicPr>
+            <a:picLocks noChangeAspect="1" noChangeArrowheads="1"/>
+          </p:cNvPicPr>
+          <p:nvPr userDrawn="1"/>
+        </p:nvPicPr>
+        <p:blipFill>
+          <a:blip r:embed="rId2">
+            <a:extLst>
+              <a:ext uri="{28A0092B-C50C-407E-A947-70E740481C1C}">
+                <a14:useLocalDpi xmlns:a14="http://schemas.microsoft.com/office/drawing/2010/main" val="0"/>
+              </a:ext>
+            </a:extLst>
+          </a:blip>
+          <a:srcRect/>
+          <a:stretch>
+            <a:fillRect/>
+          </a:stretch>
+        </p:blipFill>
+        <p:spPr bwMode="auto">
+          <a:xfrm>
+            <a:off x="8244520" y="0"/>
+            <a:ext cx="899480" cy="168442"/>
+          </a:xfrm>
+          <a:prstGeom prst="rect">
+            <a:avLst/>
+          </a:prstGeom>
+          <a:noFill/>
+          <a:extLst>
+            <a:ext uri="{909E8E84-426E-40DD-AFC4-6F175D3DCCD1}">
+              <a14:hiddenFill xmlns:a14="http://schemas.microsoft.com/office/drawing/2010/main">
+                <a:solidFill>
+                  <a:srgbClr val="FFFFFF"/>
+                </a:solidFill>
+              </a14:hiddenFill>
+            </a:ext>
+          </a:extLst>
+        </p:spPr>
+      </p:pic>
     </p:spTree>
     <p:extLst>
       <p:ext uri="{BB962C8B-B14F-4D97-AF65-F5344CB8AC3E}">
@@ -1957,7 +2004,7 @@
           <a:p>
             <a:fld id="{58D30FAB-176C-8449-8796-69F8D9C85B57}" type="datetime1">
               <a:rPr lang="en-US" smtClean="0"/>
-              <a:t>1/24/24</a:t>
+              <a:t>1/26/24</a:t>
             </a:fld>
             <a:endParaRPr lang="en-CN"/>
           </a:p>

--- a/notes/notes/ds-algo/ch7-avl-tree.pptx
+++ b/notes/notes/ds-algo/ch7-avl-tree.pptx
@@ -216,7 +216,7 @@
           <a:p>
             <a:fld id="{9BFDADED-620D-D24E-82E2-96F000A12D1D}" type="datetimeFigureOut">
               <a:rPr lang="en-CN" smtClean="0"/>
-              <a:t>2024/1/26</a:t>
+              <a:t>2024/1/29</a:t>
             </a:fld>
             <a:endParaRPr lang="en-CN"/>
           </a:p>
@@ -2004,7 +2004,7 @@
           <a:p>
             <a:fld id="{58D30FAB-176C-8449-8796-69F8D9C85B57}" type="datetime1">
               <a:rPr lang="en-US" smtClean="0"/>
-              <a:t>1/26/24</a:t>
+              <a:t>1/29/24</a:t>
             </a:fld>
             <a:endParaRPr lang="en-CN"/>
           </a:p>
@@ -2745,7 +2745,7 @@
         </p:blipFill>
         <p:spPr bwMode="auto">
           <a:xfrm>
-            <a:off x="928555" y="674999"/>
+            <a:off x="928555" y="663710"/>
             <a:ext cx="4038556" cy="2605023"/>
           </a:xfrm>
           <a:prstGeom prst="rect">
